--- a/doc/docs/cartel.pptx
+++ b/doc/docs/cartel.pptx
@@ -3050,39 +3050,6 @@
           </a:prstGeom>
         </p:spPr>
       </p:pic>
-      <p:pic>
-        <p:nvPicPr>
-          <p:cNvPr id="27" name="Imagen 26"/>
-          <p:cNvPicPr>
-            <a:picLocks noChangeAspect="1"/>
-          </p:cNvPicPr>
-          <p:nvPr/>
-        </p:nvPicPr>
-        <p:blipFill>
-          <a:blip r:embed="rId4">
-            <a:extLst>
-              <a:ext uri="{28A0092B-C50C-407E-A947-70E740481C1C}">
-                <a14:useLocalDpi xmlns:a14="http://schemas.microsoft.com/office/drawing/2010/main" val="0"/>
-              </a:ext>
-            </a:extLst>
-          </a:blip>
-          <a:stretch>
-            <a:fillRect/>
-          </a:stretch>
-        </p:blipFill>
-        <p:spPr>
-          <a:xfrm>
-            <a:off x="2087638" y="10898353"/>
-            <a:ext cx="26457123" cy="8094643"/>
-          </a:xfrm>
-          <a:prstGeom prst="rect">
-            <a:avLst/>
-          </a:prstGeom>
-          <a:effectLst>
-            <a:softEdge rad="279400"/>
-          </a:effectLst>
-        </p:spPr>
-      </p:pic>
       <p:graphicFrame>
         <p:nvGraphicFramePr>
           <p:cNvPr id="9" name="Objeto 8"/>
@@ -3105,12 +3072,12 @@
           <a:graphicData uri="http://schemas.openxmlformats.org/presentationml/2006/ole">
             <mc:AlternateContent xmlns:mc="http://schemas.openxmlformats.org/markup-compatibility/2006">
               <mc:Choice xmlns:v="urn:schemas-microsoft-com:vml" Requires="v">
-                <p:oleObj spid="_x0000_s1041" name="Acrobat Document" r:id="rId5" imgW="4685981" imgH="1028487" progId="Acrobat.Document.DC">
+                <p:oleObj spid="_x0000_s1045" name="Acrobat Document" r:id="rId4" imgW="4685981" imgH="1028487" progId="Acrobat.Document.DC">
                   <p:embed/>
                 </p:oleObj>
               </mc:Choice>
               <mc:Fallback>
-                <p:oleObj name="Acrobat Document" r:id="rId5" imgW="4685981" imgH="1028487" progId="Acrobat.Document.DC">
+                <p:oleObj name="Acrobat Document" r:id="rId4" imgW="4685981" imgH="1028487" progId="Acrobat.Document.DC">
                   <p:embed/>
                   <p:pic>
                     <p:nvPicPr>
@@ -3119,7 +3086,7 @@
                       <p:nvPr/>
                     </p:nvPicPr>
                     <p:blipFill>
-                      <a:blip r:embed="rId6"/>
+                      <a:blip r:embed="rId5"/>
                       <a:stretch>
                         <a:fillRect/>
                       </a:stretch>
@@ -4040,7 +4007,7 @@
           <p:nvPr/>
         </p:nvPicPr>
         <p:blipFill>
-          <a:blip r:embed="rId7">
+          <a:blip r:embed="rId6">
             <a:extLst>
               <a:ext uri="{28A0092B-C50C-407E-A947-70E740481C1C}">
                 <a14:useLocalDpi xmlns:a14="http://schemas.microsoft.com/office/drawing/2010/main" val="0"/>
@@ -4070,7 +4037,7 @@
           <p:nvPr/>
         </p:nvPicPr>
         <p:blipFill>
-          <a:blip r:embed="rId8">
+          <a:blip r:embed="rId7">
             <a:extLst>
               <a:ext uri="{28A0092B-C50C-407E-A947-70E740481C1C}">
                 <a14:useLocalDpi xmlns:a14="http://schemas.microsoft.com/office/drawing/2010/main" val="0"/>
@@ -4100,7 +4067,7 @@
           <p:nvPr/>
         </p:nvPicPr>
         <p:blipFill>
-          <a:blip r:embed="rId9">
+          <a:blip r:embed="rId8">
             <a:extLst>
               <a:ext uri="{28A0092B-C50C-407E-A947-70E740481C1C}">
                 <a14:useLocalDpi xmlns:a14="http://schemas.microsoft.com/office/drawing/2010/main" val="0"/>
@@ -4130,7 +4097,7 @@
           <p:nvPr/>
         </p:nvPicPr>
         <p:blipFill>
-          <a:blip r:embed="rId10">
+          <a:blip r:embed="rId9">
             <a:extLst>
               <a:ext uri="{28A0092B-C50C-407E-A947-70E740481C1C}">
                 <a14:useLocalDpi xmlns:a14="http://schemas.microsoft.com/office/drawing/2010/main" val="0"/>
@@ -4160,7 +4127,7 @@
           <p:nvPr/>
         </p:nvPicPr>
         <p:blipFill>
-          <a:blip r:embed="rId11">
+          <a:blip r:embed="rId10">
             <a:extLst>
               <a:ext uri="{28A0092B-C50C-407E-A947-70E740481C1C}">
                 <a14:useLocalDpi xmlns:a14="http://schemas.microsoft.com/office/drawing/2010/main" val="0"/>
@@ -4190,7 +4157,7 @@
           <p:nvPr/>
         </p:nvPicPr>
         <p:blipFill>
-          <a:blip r:embed="rId12">
+          <a:blip r:embed="rId11">
             <a:extLst>
               <a:ext uri="{28A0092B-C50C-407E-A947-70E740481C1C}">
                 <a14:useLocalDpi xmlns:a14="http://schemas.microsoft.com/office/drawing/2010/main" val="0"/>
@@ -4220,7 +4187,7 @@
           <p:nvPr/>
         </p:nvPicPr>
         <p:blipFill>
-          <a:blip r:embed="rId13">
+          <a:blip r:embed="rId12">
             <a:extLst>
               <a:ext uri="{28A0092B-C50C-407E-A947-70E740481C1C}">
                 <a14:useLocalDpi xmlns:a14="http://schemas.microsoft.com/office/drawing/2010/main" val="0"/>
@@ -4250,7 +4217,7 @@
           <p:nvPr/>
         </p:nvPicPr>
         <p:blipFill>
-          <a:blip r:embed="rId14">
+          <a:blip r:embed="rId13">
             <a:extLst>
               <a:ext uri="{28A0092B-C50C-407E-A947-70E740481C1C}">
                 <a14:useLocalDpi xmlns:a14="http://schemas.microsoft.com/office/drawing/2010/main" val="0"/>
@@ -4709,6 +4676,294 @@
               <a:buChar char="•"/>
             </a:pPr>
             <a:endParaRPr lang="es-ES" sz="5400" dirty="0"/>
+          </a:p>
+        </p:txBody>
+      </p:sp>
+      <p:pic>
+        <p:nvPicPr>
+          <p:cNvPr id="12" name="Imagen 11"/>
+          <p:cNvPicPr>
+            <a:picLocks noChangeAspect="1"/>
+          </p:cNvPicPr>
+          <p:nvPr/>
+        </p:nvPicPr>
+        <p:blipFill>
+          <a:blip r:embed="rId14">
+            <a:extLst>
+              <a:ext uri="{28A0092B-C50C-407E-A947-70E740481C1C}">
+                <a14:useLocalDpi xmlns:a14="http://schemas.microsoft.com/office/drawing/2010/main" val="0"/>
+              </a:ext>
+            </a:extLst>
+          </a:blip>
+          <a:stretch>
+            <a:fillRect/>
+          </a:stretch>
+        </p:blipFill>
+        <p:spPr>
+          <a:xfrm>
+            <a:off x="1041339" y="11059994"/>
+            <a:ext cx="8534259" cy="7776500"/>
+          </a:xfrm>
+          <a:prstGeom prst="rect">
+            <a:avLst/>
+          </a:prstGeom>
+          <a:effectLst>
+            <a:softEdge rad="266700"/>
+          </a:effectLst>
+        </p:spPr>
+      </p:pic>
+      <p:pic>
+        <p:nvPicPr>
+          <p:cNvPr id="19" name="Imagen 18"/>
+          <p:cNvPicPr>
+            <a:picLocks noChangeAspect="1"/>
+          </p:cNvPicPr>
+          <p:nvPr/>
+        </p:nvPicPr>
+        <p:blipFill>
+          <a:blip r:embed="rId15">
+            <a:extLst>
+              <a:ext uri="{28A0092B-C50C-407E-A947-70E740481C1C}">
+                <a14:useLocalDpi xmlns:a14="http://schemas.microsoft.com/office/drawing/2010/main" val="0"/>
+              </a:ext>
+            </a:extLst>
+          </a:blip>
+          <a:stretch>
+            <a:fillRect/>
+          </a:stretch>
+        </p:blipFill>
+        <p:spPr>
+          <a:xfrm>
+            <a:off x="20477813" y="11024803"/>
+            <a:ext cx="8513927" cy="7776500"/>
+          </a:xfrm>
+          <a:prstGeom prst="rect">
+            <a:avLst/>
+          </a:prstGeom>
+          <a:effectLst>
+            <a:softEdge rad="254000"/>
+          </a:effectLst>
+        </p:spPr>
+      </p:pic>
+      <p:pic>
+        <p:nvPicPr>
+          <p:cNvPr id="23" name="Imagen 22"/>
+          <p:cNvPicPr>
+            <a:picLocks noChangeAspect="1"/>
+          </p:cNvPicPr>
+          <p:nvPr/>
+        </p:nvPicPr>
+        <p:blipFill>
+          <a:blip r:embed="rId16">
+            <a:extLst>
+              <a:ext uri="{28A0092B-C50C-407E-A947-70E740481C1C}">
+                <a14:useLocalDpi xmlns:a14="http://schemas.microsoft.com/office/drawing/2010/main" val="0"/>
+              </a:ext>
+            </a:extLst>
+          </a:blip>
+          <a:stretch>
+            <a:fillRect/>
+          </a:stretch>
+        </p:blipFill>
+        <p:spPr>
+          <a:xfrm>
+            <a:off x="14028456" y="16521263"/>
+            <a:ext cx="2294481" cy="2294481"/>
+          </a:xfrm>
+          <a:prstGeom prst="rect">
+            <a:avLst/>
+          </a:prstGeom>
+        </p:spPr>
+      </p:pic>
+      <p:pic>
+        <p:nvPicPr>
+          <p:cNvPr id="30" name="Imagen 29"/>
+          <p:cNvPicPr>
+            <a:picLocks noChangeAspect="1"/>
+          </p:cNvPicPr>
+          <p:nvPr/>
+        </p:nvPicPr>
+        <p:blipFill>
+          <a:blip r:embed="rId17">
+            <a:extLst>
+              <a:ext uri="{28A0092B-C50C-407E-A947-70E740481C1C}">
+                <a14:useLocalDpi xmlns:a14="http://schemas.microsoft.com/office/drawing/2010/main" val="0"/>
+              </a:ext>
+            </a:extLst>
+          </a:blip>
+          <a:stretch>
+            <a:fillRect/>
+          </a:stretch>
+        </p:blipFill>
+        <p:spPr>
+          <a:xfrm>
+            <a:off x="10177455" y="12000298"/>
+            <a:ext cx="3136756" cy="3136756"/>
+          </a:xfrm>
+          <a:prstGeom prst="rect">
+            <a:avLst/>
+          </a:prstGeom>
+        </p:spPr>
+      </p:pic>
+      <p:pic>
+        <p:nvPicPr>
+          <p:cNvPr id="35" name="Imagen 34"/>
+          <p:cNvPicPr>
+            <a:picLocks noChangeAspect="1"/>
+          </p:cNvPicPr>
+          <p:nvPr/>
+        </p:nvPicPr>
+        <p:blipFill>
+          <a:blip r:embed="rId18">
+            <a:extLst>
+              <a:ext uri="{28A0092B-C50C-407E-A947-70E740481C1C}">
+                <a14:useLocalDpi xmlns:a14="http://schemas.microsoft.com/office/drawing/2010/main" val="0"/>
+              </a:ext>
+            </a:extLst>
+          </a:blip>
+          <a:stretch>
+            <a:fillRect/>
+          </a:stretch>
+        </p:blipFill>
+        <p:spPr>
+          <a:xfrm>
+            <a:off x="16943313" y="11857581"/>
+            <a:ext cx="2551375" cy="2551375"/>
+          </a:xfrm>
+          <a:prstGeom prst="rect">
+            <a:avLst/>
+          </a:prstGeom>
+        </p:spPr>
+      </p:pic>
+      <p:sp>
+        <p:nvSpPr>
+          <p:cNvPr id="38" name="Flecha: a la izquierda y derecha 37"/>
+          <p:cNvSpPr/>
+          <p:nvPr/>
+        </p:nvSpPr>
+        <p:spPr>
+          <a:xfrm>
+            <a:off x="13497091" y="13466858"/>
+            <a:ext cx="3307866" cy="954871"/>
+          </a:xfrm>
+          <a:prstGeom prst="leftRightArrow">
+            <a:avLst/>
+          </a:prstGeom>
+        </p:spPr>
+        <p:style>
+          <a:lnRef idx="2">
+            <a:schemeClr val="accent1">
+              <a:shade val="50000"/>
+            </a:schemeClr>
+          </a:lnRef>
+          <a:fillRef idx="1">
+            <a:schemeClr val="accent1"/>
+          </a:fillRef>
+          <a:effectRef idx="0">
+            <a:schemeClr val="accent1"/>
+          </a:effectRef>
+          <a:fontRef idx="minor">
+            <a:schemeClr val="lt1"/>
+          </a:fontRef>
+        </p:style>
+        <p:txBody>
+          <a:bodyPr rtlCol="0" anchor="ctr"/>
+          <a:lstStyle/>
+          <a:p>
+            <a:pPr algn="ctr"/>
+            <a:r>
+              <a:rPr lang="es-ES" sz="2800" dirty="0"/>
+              <a:t>Estándar LTI</a:t>
+            </a:r>
+            <a:endParaRPr lang="es-ES" dirty="0"/>
+          </a:p>
+        </p:txBody>
+      </p:sp>
+      <p:sp>
+        <p:nvSpPr>
+          <p:cNvPr id="39" name="Flecha: a la izquierda y derecha 38"/>
+          <p:cNvSpPr/>
+          <p:nvPr/>
+        </p:nvSpPr>
+        <p:spPr>
+          <a:xfrm rot="18497888">
+            <a:off x="16002465" y="15794889"/>
+            <a:ext cx="3280010" cy="1136128"/>
+          </a:xfrm>
+          <a:prstGeom prst="leftRightArrow">
+            <a:avLst/>
+          </a:prstGeom>
+        </p:spPr>
+        <p:style>
+          <a:lnRef idx="2">
+            <a:schemeClr val="accent1">
+              <a:shade val="50000"/>
+            </a:schemeClr>
+          </a:lnRef>
+          <a:fillRef idx="1">
+            <a:schemeClr val="accent1"/>
+          </a:fillRef>
+          <a:effectRef idx="0">
+            <a:schemeClr val="accent1"/>
+          </a:effectRef>
+          <a:fontRef idx="minor">
+            <a:schemeClr val="lt1"/>
+          </a:fontRef>
+        </p:style>
+        <p:txBody>
+          <a:bodyPr rtlCol="0" anchor="ctr"/>
+          <a:lstStyle/>
+          <a:p>
+            <a:pPr algn="ctr"/>
+            <a:r>
+              <a:rPr lang="es-ES" sz="2800" dirty="0"/>
+              <a:t>APIRest</a:t>
+            </a:r>
+            <a:endParaRPr lang="es-ES" dirty="0"/>
+          </a:p>
+        </p:txBody>
+      </p:sp>
+      <p:sp>
+        <p:nvSpPr>
+          <p:cNvPr id="41" name="Flecha: a la derecha 40"/>
+          <p:cNvSpPr/>
+          <p:nvPr/>
+        </p:nvSpPr>
+        <p:spPr>
+          <a:xfrm rot="3017138">
+            <a:off x="10988727" y="15732123"/>
+            <a:ext cx="3231371" cy="1018368"/>
+          </a:xfrm>
+          <a:prstGeom prst="rightArrow">
+            <a:avLst/>
+          </a:prstGeom>
+        </p:spPr>
+        <p:style>
+          <a:lnRef idx="2">
+            <a:schemeClr val="accent1">
+              <a:shade val="50000"/>
+            </a:schemeClr>
+          </a:lnRef>
+          <a:fillRef idx="1">
+            <a:schemeClr val="accent1"/>
+          </a:fillRef>
+          <a:effectRef idx="0">
+            <a:schemeClr val="accent1"/>
+          </a:effectRef>
+          <a:fontRef idx="minor">
+            <a:schemeClr val="lt1"/>
+          </a:fontRef>
+        </p:style>
+        <p:txBody>
+          <a:bodyPr rtlCol="0" anchor="ctr"/>
+          <a:lstStyle/>
+          <a:p>
+            <a:pPr algn="ctr"/>
+            <a:r>
+              <a:rPr lang="es-ES" sz="2800" dirty="0"/>
+              <a:t>Web service</a:t>
+            </a:r>
+            <a:endParaRPr lang="es-ES" dirty="0"/>
           </a:p>
         </p:txBody>
       </p:sp>

--- a/doc/docs/cartel.pptx
+++ b/doc/docs/cartel.pptx
@@ -254,7 +254,7 @@
           <a:p>
             <a:fld id="{8172BD3B-D14C-40E0-B9CC-2A3BC8453C03}" type="datetimeFigureOut">
               <a:rPr lang="es-ES" smtClean="0"/>
-              <a:t>03/07/2017</a:t>
+              <a:t>04/07/2017</a:t>
             </a:fld>
             <a:endParaRPr lang="es-ES"/>
           </a:p>
@@ -424,7 +424,7 @@
           <a:p>
             <a:fld id="{8172BD3B-D14C-40E0-B9CC-2A3BC8453C03}" type="datetimeFigureOut">
               <a:rPr lang="es-ES" smtClean="0"/>
-              <a:t>03/07/2017</a:t>
+              <a:t>04/07/2017</a:t>
             </a:fld>
             <a:endParaRPr lang="es-ES"/>
           </a:p>
@@ -604,7 +604,7 @@
           <a:p>
             <a:fld id="{8172BD3B-D14C-40E0-B9CC-2A3BC8453C03}" type="datetimeFigureOut">
               <a:rPr lang="es-ES" smtClean="0"/>
-              <a:t>03/07/2017</a:t>
+              <a:t>04/07/2017</a:t>
             </a:fld>
             <a:endParaRPr lang="es-ES"/>
           </a:p>
@@ -774,7 +774,7 @@
           <a:p>
             <a:fld id="{8172BD3B-D14C-40E0-B9CC-2A3BC8453C03}" type="datetimeFigureOut">
               <a:rPr lang="es-ES" smtClean="0"/>
-              <a:t>03/07/2017</a:t>
+              <a:t>04/07/2017</a:t>
             </a:fld>
             <a:endParaRPr lang="es-ES"/>
           </a:p>
@@ -1018,7 +1018,7 @@
           <a:p>
             <a:fld id="{8172BD3B-D14C-40E0-B9CC-2A3BC8453C03}" type="datetimeFigureOut">
               <a:rPr lang="es-ES" smtClean="0"/>
-              <a:t>03/07/2017</a:t>
+              <a:t>04/07/2017</a:t>
             </a:fld>
             <a:endParaRPr lang="es-ES"/>
           </a:p>
@@ -1250,7 +1250,7 @@
           <a:p>
             <a:fld id="{8172BD3B-D14C-40E0-B9CC-2A3BC8453C03}" type="datetimeFigureOut">
               <a:rPr lang="es-ES" smtClean="0"/>
-              <a:t>03/07/2017</a:t>
+              <a:t>04/07/2017</a:t>
             </a:fld>
             <a:endParaRPr lang="es-ES"/>
           </a:p>
@@ -1617,7 +1617,7 @@
           <a:p>
             <a:fld id="{8172BD3B-D14C-40E0-B9CC-2A3BC8453C03}" type="datetimeFigureOut">
               <a:rPr lang="es-ES" smtClean="0"/>
-              <a:t>03/07/2017</a:t>
+              <a:t>04/07/2017</a:t>
             </a:fld>
             <a:endParaRPr lang="es-ES"/>
           </a:p>
@@ -1735,7 +1735,7 @@
           <a:p>
             <a:fld id="{8172BD3B-D14C-40E0-B9CC-2A3BC8453C03}" type="datetimeFigureOut">
               <a:rPr lang="es-ES" smtClean="0"/>
-              <a:t>03/07/2017</a:t>
+              <a:t>04/07/2017</a:t>
             </a:fld>
             <a:endParaRPr lang="es-ES"/>
           </a:p>
@@ -1830,7 +1830,7 @@
           <a:p>
             <a:fld id="{8172BD3B-D14C-40E0-B9CC-2A3BC8453C03}" type="datetimeFigureOut">
               <a:rPr lang="es-ES" smtClean="0"/>
-              <a:t>03/07/2017</a:t>
+              <a:t>04/07/2017</a:t>
             </a:fld>
             <a:endParaRPr lang="es-ES"/>
           </a:p>
@@ -2107,7 +2107,7 @@
           <a:p>
             <a:fld id="{8172BD3B-D14C-40E0-B9CC-2A3BC8453C03}" type="datetimeFigureOut">
               <a:rPr lang="es-ES" smtClean="0"/>
-              <a:t>03/07/2017</a:t>
+              <a:t>04/07/2017</a:t>
             </a:fld>
             <a:endParaRPr lang="es-ES"/>
           </a:p>
@@ -2364,7 +2364,7 @@
           <a:p>
             <a:fld id="{8172BD3B-D14C-40E0-B9CC-2A3BC8453C03}" type="datetimeFigureOut">
               <a:rPr lang="es-ES" smtClean="0"/>
-              <a:t>03/07/2017</a:t>
+              <a:t>04/07/2017</a:t>
             </a:fld>
             <a:endParaRPr lang="es-ES"/>
           </a:p>
@@ -2602,7 +2602,7 @@
           <a:p>
             <a:fld id="{8172BD3B-D14C-40E0-B9CC-2A3BC8453C03}" type="datetimeFigureOut">
               <a:rPr lang="es-ES" smtClean="0"/>
-              <a:t>03/07/2017</a:t>
+              <a:t>04/07/2017</a:t>
             </a:fld>
             <a:endParaRPr lang="es-ES"/>
           </a:p>
@@ -3072,7 +3072,7 @@
           <a:graphicData uri="http://schemas.openxmlformats.org/presentationml/2006/ole">
             <mc:AlternateContent xmlns:mc="http://schemas.openxmlformats.org/markup-compatibility/2006">
               <mc:Choice xmlns:v="urn:schemas-microsoft-com:vml" Requires="v">
-                <p:oleObj spid="_x0000_s1045" name="Acrobat Document" r:id="rId4" imgW="4685981" imgH="1028487" progId="Acrobat.Document.DC">
+                <p:oleObj spid="_x0000_s1046" name="Acrobat Document" r:id="rId4" imgW="4685981" imgH="1028487" progId="Acrobat.Document.DC">
                   <p:embed/>
                 </p:oleObj>
               </mc:Choice>
@@ -3928,7 +3928,7 @@
           <a:lstStyle/>
           <a:p>
             <a:pPr algn="ctr"/>
-            <a:endParaRPr lang="es-ES"/>
+            <a:endParaRPr lang="es-ES" dirty="0"/>
           </a:p>
         </p:txBody>
       </p:sp>
@@ -4020,7 +4020,7 @@
         </p:blipFill>
         <p:spPr>
           <a:xfrm>
-            <a:off x="25258407" y="38616225"/>
+            <a:off x="25114647" y="37670594"/>
             <a:ext cx="3733333" cy="3733333"/>
           </a:xfrm>
           <a:prstGeom prst="rect">
@@ -4964,6 +4964,56 @@
               <a:t>Web service</a:t>
             </a:r>
             <a:endParaRPr lang="es-ES" dirty="0"/>
+          </a:p>
+        </p:txBody>
+      </p:sp>
+      <p:sp>
+        <p:nvSpPr>
+          <p:cNvPr id="27" name="CuadroTexto 26"/>
+          <p:cNvSpPr txBox="1"/>
+          <p:nvPr/>
+        </p:nvSpPr>
+        <p:spPr>
+          <a:xfrm>
+            <a:off x="25682232" y="41574504"/>
+            <a:ext cx="2598161" cy="1200329"/>
+          </a:xfrm>
+          <a:prstGeom prst="rect">
+            <a:avLst/>
+          </a:prstGeom>
+          <a:noFill/>
+          <a:effectLst>
+            <a:glow rad="25400">
+              <a:schemeClr val="accent1">
+                <a:alpha val="40000"/>
+              </a:schemeClr>
+            </a:glow>
+            <a:reflection blurRad="25400" endPos="0" dist="50800" dir="5400000" sy="-100000" algn="bl" rotWithShape="0"/>
+            <a:softEdge rad="0"/>
+          </a:effectLst>
+        </p:spPr>
+        <p:txBody>
+          <a:bodyPr wrap="square" rtlCol="0">
+            <a:spAutoFit/>
+          </a:bodyPr>
+          <a:lstStyle/>
+          <a:p>
+            <a:pPr algn="ctr"/>
+            <a:r>
+              <a:rPr lang="es-ES" sz="7200" b="1" dirty="0">
+                <a:solidFill>
+                  <a:schemeClr val="bg1"/>
+                </a:solidFill>
+                <a:effectLst>
+                  <a:outerShdw blurRad="38100" dist="38100" dir="2700000" algn="tl">
+                    <a:srgbClr val="000000">
+                      <a:alpha val="43137"/>
+                    </a:srgbClr>
+                  </a:outerShdw>
+                </a:effectLst>
+              </a:rPr>
+              <a:t>Julio</a:t>
+            </a:r>
           </a:p>
         </p:txBody>
       </p:sp>
